--- a/PPMatt.pptx
+++ b/PPMatt.pptx
@@ -208,6 +208,35 @@
     </p:ext>
   </p:extLst>
 </p:presentation>
+</file>
+
+<file path=ppt/changesInfos/changesInfo1.xml><?xml version="1.0" encoding="utf-8"?>
+<pc:chgInfo xmlns:a="http://schemas.openxmlformats.org/drawingml/2006/main" xmlns:r="http://schemas.openxmlformats.org/officeDocument/2006/relationships" xmlns:ac="http://schemas.microsoft.com/office/drawing/2013/main/command" xmlns:pc="http://schemas.microsoft.com/office/powerpoint/2013/main/command">
+  <pc:docChgLst>
+    <pc:chgData name="Matt McMahon" userId="845ab47b2e71eca0" providerId="LiveId" clId="{D8336273-26F3-49A6-B363-FC59E51009AD}"/>
+    <pc:docChg chg="modSld">
+      <pc:chgData name="Matt McMahon" userId="845ab47b2e71eca0" providerId="LiveId" clId="{D8336273-26F3-49A6-B363-FC59E51009AD}" dt="2021-03-08T22:53:29.372" v="7" actId="5793"/>
+      <pc:docMkLst>
+        <pc:docMk/>
+      </pc:docMkLst>
+      <pc:sldChg chg="modSp mod">
+        <pc:chgData name="Matt McMahon" userId="845ab47b2e71eca0" providerId="LiveId" clId="{D8336273-26F3-49A6-B363-FC59E51009AD}" dt="2021-03-08T22:53:29.372" v="7" actId="5793"/>
+        <pc:sldMkLst>
+          <pc:docMk/>
+          <pc:sldMk cId="0" sldId="1891"/>
+        </pc:sldMkLst>
+        <pc:spChg chg="mod">
+          <ac:chgData name="Matt McMahon" userId="845ab47b2e71eca0" providerId="LiveId" clId="{D8336273-26F3-49A6-B363-FC59E51009AD}" dt="2021-03-08T22:53:29.372" v="7" actId="5793"/>
+          <ac:spMkLst>
+            <pc:docMk/>
+            <pc:sldMk cId="0" sldId="1891"/>
+            <ac:spMk id="3" creationId="{00000000-0000-0000-0000-000000000000}"/>
+          </ac:spMkLst>
+        </pc:spChg>
+      </pc:sldChg>
+    </pc:docChg>
+  </pc:docChgLst>
+</pc:chgInfo>
 </file>
 
 <file path=ppt/notesMasters/notesMaster1.xml><?xml version="1.0" encoding="utf-8"?>
@@ -15936,16 +15965,20 @@
               <a:buChar char="•"/>
             </a:pPr>
             <a:r>
+              <a:rPr lang="en-US" sz="3200"/>
+              <a:t>Feb 2</a:t>
+            </a:r>
+            <a:r>
+              <a:rPr lang="en-US" sz="3200" baseline="30000"/>
+              <a:t>nd,</a:t>
+            </a:r>
+            <a:r>
+              <a:rPr lang="en-US" sz="3200"/>
+              <a:t> former </a:t>
+            </a:r>
+            <a:r>
               <a:rPr lang="en-US" sz="3200" dirty="0"/>
-              <a:t>Feb 2</a:t>
-            </a:r>
-            <a:r>
-              <a:rPr lang="en-US" sz="3200" baseline="30000" dirty="0"/>
-              <a:t>nd</a:t>
-            </a:r>
-            <a:r>
-              <a:rPr lang="en-US" sz="3200" dirty="0"/>
-              <a:t>  Navajo president and Arizona state representative died from COVID, making death toll 1,038 or a rate of 1 out of </a:t>
+              <a:t>Navajo president and Arizona state representative died from COVID, making death toll 1,038 or a rate of 1 out of </a:t>
             </a:r>
             <a:r>
               <a:rPr lang="en-US" sz="3200"/>
@@ -16744,6 +16777,24 @@
 </file>
 
 <file path=customXml/item1.xml><?xml version="1.0" encoding="utf-8"?>
+<?mso-contentType ?>
+<FormTemplates xmlns="http://schemas.microsoft.com/sharepoint/v3/contenttype/forms">
+  <Display>DocumentLibraryForm</Display>
+  <Edit>DocumentLibraryForm</Edit>
+  <New>DocumentLibraryForm</New>
+</FormTemplates>
+</file>
+
+<file path=customXml/item2.xml><?xml version="1.0" encoding="utf-8"?>
+<p:properties xmlns:p="http://schemas.microsoft.com/office/2006/metadata/properties" xmlns:xsi="http://www.w3.org/2001/XMLSchema-instance" xmlns:pc="http://schemas.microsoft.com/office/infopath/2007/PartnerControls">
+  <documentManagement>
+    <Status xmlns="71af3243-3dd4-4a8d-8c0d-dd76da1f02a5">Not started</Status>
+    <MediaServiceKeyPoints xmlns="71af3243-3dd4-4a8d-8c0d-dd76da1f02a5" xsi:nil="true"/>
+  </documentManagement>
+</p:properties>
+</file>
+
+<file path=customXml/item3.xml><?xml version="1.0" encoding="utf-8"?>
 <ct:contentTypeSchema xmlns:ct="http://schemas.microsoft.com/office/2006/metadata/contentType" xmlns:ma="http://schemas.microsoft.com/office/2006/metadata/properties/metaAttributes" ct:_="" ma:_="" ma:contentTypeName="Document" ma:contentTypeID="0x01010079F111ED35F8CC479449609E8A0923A6" ma:contentTypeVersion="12" ma:contentTypeDescription="Create a new document." ma:contentTypeScope="" ma:versionID="426e97fa315356fffbdcd9876fe988c2">
   <xsd:schema xmlns:xsd="http://www.w3.org/2001/XMLSchema" xmlns:xs="http://www.w3.org/2001/XMLSchema" xmlns:p="http://schemas.microsoft.com/office/2006/metadata/properties" xmlns:ns2="71af3243-3dd4-4a8d-8c0d-dd76da1f02a5" xmlns:ns3="16c05727-aa75-4e4a-9b5f-8a80a1165891" targetNamespace="http://schemas.microsoft.com/office/2006/metadata/properties" ma:root="true" ma:fieldsID="14b8f0def80e6d70ce3def20c90759ae" ns2:_="" ns3:_="">
     <xsd:import namespace="71af3243-3dd4-4a8d-8c0d-dd76da1f02a5"/>
@@ -16964,25 +17015,25 @@
 </ct:contentTypeSchema>
 </file>
 
-<file path=customXml/item2.xml><?xml version="1.0" encoding="utf-8"?>
-<?mso-contentType ?>
-<FormTemplates xmlns="http://schemas.microsoft.com/sharepoint/v3/contenttype/forms">
-  <Display>DocumentLibraryForm</Display>
-  <Edit>DocumentLibraryForm</Edit>
-  <New>DocumentLibraryForm</New>
-</FormTemplates>
+<file path=customXml/itemProps1.xml><?xml version="1.0" encoding="utf-8"?>
+<ds:datastoreItem xmlns:ds="http://schemas.openxmlformats.org/officeDocument/2006/customXml" ds:itemID="{FF48AAC1-C4CE-4FF3-AA8D-E74D22748061}">
+  <ds:schemaRefs>
+    <ds:schemaRef ds:uri="http://schemas.microsoft.com/sharepoint/v3/contenttype/forms"/>
+  </ds:schemaRefs>
+</ds:datastoreItem>
 </file>
 
-<file path=customXml/item3.xml><?xml version="1.0" encoding="utf-8"?>
-<p:properties xmlns:p="http://schemas.microsoft.com/office/2006/metadata/properties" xmlns:xsi="http://www.w3.org/2001/XMLSchema-instance" xmlns:pc="http://schemas.microsoft.com/office/infopath/2007/PartnerControls">
-  <documentManagement>
-    <Status xmlns="71af3243-3dd4-4a8d-8c0d-dd76da1f02a5">Not started</Status>
-    <MediaServiceKeyPoints xmlns="71af3243-3dd4-4a8d-8c0d-dd76da1f02a5" xsi:nil="true"/>
-  </documentManagement>
-</p:properties>
+<file path=customXml/itemProps2.xml><?xml version="1.0" encoding="utf-8"?>
+<ds:datastoreItem xmlns:ds="http://schemas.openxmlformats.org/officeDocument/2006/customXml" ds:itemID="{F87694BC-F79F-405B-BC53-DDA5DE16E747}">
+  <ds:schemaRefs>
+    <ds:schemaRef ds:uri="http://schemas.microsoft.com/office/2006/metadata/properties"/>
+    <ds:schemaRef ds:uri="http://schemas.microsoft.com/office/infopath/2007/PartnerControls"/>
+    <ds:schemaRef ds:uri="71af3243-3dd4-4a8d-8c0d-dd76da1f02a5"/>
+  </ds:schemaRefs>
+</ds:datastoreItem>
 </file>
 
-<file path=customXml/itemProps1.xml><?xml version="1.0" encoding="utf-8"?>
+<file path=customXml/itemProps3.xml><?xml version="1.0" encoding="utf-8"?>
 <ds:datastoreItem xmlns:ds="http://schemas.openxmlformats.org/officeDocument/2006/customXml" ds:itemID="{6372964D-908E-485C-B8D2-CB277C005C1D}">
   <ds:schemaRefs>
     <ds:schemaRef ds:uri="http://schemas.microsoft.com/office/2006/metadata/contentType"/>
@@ -16999,22 +17050,4 @@
     <ds:schemaRef ds:uri="http://schemas.microsoft.com/internal/obd"/>
   </ds:schemaRefs>
 </ds:datastoreItem>
-</file>
-
-<file path=customXml/itemProps2.xml><?xml version="1.0" encoding="utf-8"?>
-<ds:datastoreItem xmlns:ds="http://schemas.openxmlformats.org/officeDocument/2006/customXml" ds:itemID="{FF48AAC1-C4CE-4FF3-AA8D-E74D22748061}">
-  <ds:schemaRefs>
-    <ds:schemaRef ds:uri="http://schemas.microsoft.com/sharepoint/v3/contenttype/forms"/>
-  </ds:schemaRefs>
-</ds:datastoreItem>
-</file>
-
-<file path=customXml/itemProps3.xml><?xml version="1.0" encoding="utf-8"?>
-<ds:datastoreItem xmlns:ds="http://schemas.openxmlformats.org/officeDocument/2006/customXml" ds:itemID="{F87694BC-F79F-405B-BC53-DDA5DE16E747}">
-  <ds:schemaRefs>
-    <ds:schemaRef ds:uri="http://schemas.microsoft.com/office/2006/metadata/properties"/>
-    <ds:schemaRef ds:uri="http://schemas.microsoft.com/office/infopath/2007/PartnerControls"/>
-    <ds:schemaRef ds:uri="71af3243-3dd4-4a8d-8c0d-dd76da1f02a5"/>
-  </ds:schemaRefs>
-</ds:datastoreItem>
 </file>